--- a/Other Files/Conceptual Framework.pptx
+++ b/Other Files/Conceptual Framework.pptx
@@ -104,6 +104,11 @@
       </a:defRPr>
     </a:lvl9pPr>
   </p:defaultTextStyle>
+  <p:extLst>
+    <p:ext uri="{EFAFB233-063F-42B5-8137-9DF3F51BA10A}">
+      <p15:sldGuideLst xmlns:p15="http://schemas.microsoft.com/office/powerpoint/2012/main"/>
+    </p:ext>
+  </p:extLst>
 </p:presentation>
 </file>
 
@@ -254,7 +259,7 @@
           <a:p>
             <a:fld id="{158AAE11-8014-48FF-A972-AA5C60060435}" type="datetimeFigureOut">
               <a:rPr lang="en-US" smtClean="0"/>
-              <a:t>10/28/2024</a:t>
+              <a:t>11/2/2024</a:t>
             </a:fld>
             <a:endParaRPr lang="en-US"/>
           </a:p>
@@ -452,7 +457,7 @@
           <a:p>
             <a:fld id="{158AAE11-8014-48FF-A972-AA5C60060435}" type="datetimeFigureOut">
               <a:rPr lang="en-US" smtClean="0"/>
-              <a:t>10/28/2024</a:t>
+              <a:t>11/2/2024</a:t>
             </a:fld>
             <a:endParaRPr lang="en-US"/>
           </a:p>
@@ -660,7 +665,7 @@
           <a:p>
             <a:fld id="{158AAE11-8014-48FF-A972-AA5C60060435}" type="datetimeFigureOut">
               <a:rPr lang="en-US" smtClean="0"/>
-              <a:t>10/28/2024</a:t>
+              <a:t>11/2/2024</a:t>
             </a:fld>
             <a:endParaRPr lang="en-US"/>
           </a:p>
@@ -858,7 +863,7 @@
           <a:p>
             <a:fld id="{158AAE11-8014-48FF-A972-AA5C60060435}" type="datetimeFigureOut">
               <a:rPr lang="en-US" smtClean="0"/>
-              <a:t>10/28/2024</a:t>
+              <a:t>11/2/2024</a:t>
             </a:fld>
             <a:endParaRPr lang="en-US"/>
           </a:p>
@@ -1133,7 +1138,7 @@
           <a:p>
             <a:fld id="{158AAE11-8014-48FF-A972-AA5C60060435}" type="datetimeFigureOut">
               <a:rPr lang="en-US" smtClean="0"/>
-              <a:t>10/28/2024</a:t>
+              <a:t>11/2/2024</a:t>
             </a:fld>
             <a:endParaRPr lang="en-US"/>
           </a:p>
@@ -1398,7 +1403,7 @@
           <a:p>
             <a:fld id="{158AAE11-8014-48FF-A972-AA5C60060435}" type="datetimeFigureOut">
               <a:rPr lang="en-US" smtClean="0"/>
-              <a:t>10/28/2024</a:t>
+              <a:t>11/2/2024</a:t>
             </a:fld>
             <a:endParaRPr lang="en-US"/>
           </a:p>
@@ -1810,7 +1815,7 @@
           <a:p>
             <a:fld id="{158AAE11-8014-48FF-A972-AA5C60060435}" type="datetimeFigureOut">
               <a:rPr lang="en-US" smtClean="0"/>
-              <a:t>10/28/2024</a:t>
+              <a:t>11/2/2024</a:t>
             </a:fld>
             <a:endParaRPr lang="en-US"/>
           </a:p>
@@ -1951,7 +1956,7 @@
           <a:p>
             <a:fld id="{158AAE11-8014-48FF-A972-AA5C60060435}" type="datetimeFigureOut">
               <a:rPr lang="en-US" smtClean="0"/>
-              <a:t>10/28/2024</a:t>
+              <a:t>11/2/2024</a:t>
             </a:fld>
             <a:endParaRPr lang="en-US"/>
           </a:p>
@@ -2064,7 +2069,7 @@
           <a:p>
             <a:fld id="{158AAE11-8014-48FF-A972-AA5C60060435}" type="datetimeFigureOut">
               <a:rPr lang="en-US" smtClean="0"/>
-              <a:t>10/28/2024</a:t>
+              <a:t>11/2/2024</a:t>
             </a:fld>
             <a:endParaRPr lang="en-US"/>
           </a:p>
@@ -2375,7 +2380,7 @@
           <a:p>
             <a:fld id="{158AAE11-8014-48FF-A972-AA5C60060435}" type="datetimeFigureOut">
               <a:rPr lang="en-US" smtClean="0"/>
-              <a:t>10/28/2024</a:t>
+              <a:t>11/2/2024</a:t>
             </a:fld>
             <a:endParaRPr lang="en-US"/>
           </a:p>
@@ -2663,7 +2668,7 @@
           <a:p>
             <a:fld id="{158AAE11-8014-48FF-A972-AA5C60060435}" type="datetimeFigureOut">
               <a:rPr lang="en-US" smtClean="0"/>
-              <a:t>10/28/2024</a:t>
+              <a:t>11/2/2024</a:t>
             </a:fld>
             <a:endParaRPr lang="en-US"/>
           </a:p>
@@ -2904,7 +2909,7 @@
           <a:p>
             <a:fld id="{158AAE11-8014-48FF-A972-AA5C60060435}" type="datetimeFigureOut">
               <a:rPr lang="en-US" smtClean="0"/>
-              <a:t>10/28/2024</a:t>
+              <a:t>11/2/2024</a:t>
             </a:fld>
             <a:endParaRPr lang="en-US"/>
           </a:p>
@@ -3632,28 +3637,43 @@
           <a:p>
             <a:pPr algn="ctr"/>
             <a:r>
+              <a:rPr lang="en-US" sz="1800" dirty="0" err="1">
+                <a:solidFill>
+                  <a:schemeClr val="tx1"/>
+                </a:solidFill>
+                <a:effectLst/>
+                <a:latin typeface="Courier New" panose="02070309020205020404" pitchFamily="49" charset="0"/>
+                <a:ea typeface="Calibri" panose="020F0502020204030204" pitchFamily="34" charset="0"/>
+              </a:rPr>
+              <a:t>ELifeSure</a:t>
+            </a:r>
+            <a:r>
               <a:rPr lang="en-US" dirty="0">
                 <a:solidFill>
                   <a:schemeClr val="tx1"/>
                 </a:solidFill>
                 <a:latin typeface="Courier New" panose="02070309020205020404" pitchFamily="49" charset="0"/>
-                <a:cs typeface="Courier New" panose="02070309020205020404" pitchFamily="49" charset="0"/>
+                <a:ea typeface="Calibri" panose="020F0502020204030204" pitchFamily="34" charset="0"/>
               </a:rPr>
-              <a:t>Online  Recruitment </a:t>
-            </a:r>
-          </a:p>
-          <a:p>
-            <a:pPr algn="ctr"/>
-            <a:r>
-              <a:rPr lang="en-US" dirty="0">
+              <a:t>: An Online Recruitment System for Allianz PNB </a:t>
+            </a:r>
+            <a:r>
+              <a:rPr lang="en-US">
                 <a:solidFill>
                   <a:schemeClr val="tx1"/>
                 </a:solidFill>
                 <a:latin typeface="Courier New" panose="02070309020205020404" pitchFamily="49" charset="0"/>
-                <a:cs typeface="Courier New" panose="02070309020205020404" pitchFamily="49" charset="0"/>
+                <a:ea typeface="Calibri" panose="020F0502020204030204" pitchFamily="34" charset="0"/>
               </a:rPr>
-              <a:t>System</a:t>
-            </a:r>
+              <a:t>Inc.</a:t>
+            </a:r>
+            <a:endParaRPr lang="en-US" dirty="0">
+              <a:solidFill>
+                <a:schemeClr val="tx1"/>
+              </a:solidFill>
+              <a:latin typeface="Courier New" panose="02070309020205020404" pitchFamily="49" charset="0"/>
+              <a:cs typeface="Courier New" panose="02070309020205020404" pitchFamily="49" charset="0"/>
+            </a:endParaRPr>
           </a:p>
         </p:txBody>
       </p:sp>
